--- a/ACS/AC4/LucasKurata_AC04.pptx
+++ b/ACS/AC4/LucasKurata_AC04.pptx
@@ -6,8 +6,11 @@
   </p:sldMasterIdLst>
   <p:sldIdLst>
     <p:sldId id="256" r:id="rId2"/>
-    <p:sldId id="257" r:id="rId3"/>
-    <p:sldId id="258" r:id="rId4"/>
+    <p:sldId id="260" r:id="rId3"/>
+    <p:sldId id="259" r:id="rId4"/>
+    <p:sldId id="261" r:id="rId5"/>
+    <p:sldId id="257" r:id="rId6"/>
+    <p:sldId id="258" r:id="rId7"/>
   </p:sldIdLst>
   <p:sldSz cx="12192000" cy="6858000"/>
   <p:notesSz cx="6858000" cy="9144000"/>
@@ -245,7 +248,7 @@
           <a:p>
             <a:fld id="{F0E51C7C-CEA3-4CAA-BE4B-344879E7C377}" type="datetimeFigureOut">
               <a:rPr lang="de-DE" smtClean="0"/>
-              <a:t>11.05.2019</a:t>
+              <a:t>16.05.2019</a:t>
             </a:fld>
             <a:endParaRPr lang="de-DE"/>
           </a:p>
@@ -287,7 +290,7 @@
           <a:p>
             <a:fld id="{754FE2FE-B55E-4328-8F5C-2CEB8781A47B}" type="slidenum">
               <a:rPr lang="de-DE" smtClean="0"/>
-              <a:t>‹#›</a:t>
+              <a:t>‹nº›</a:t>
             </a:fld>
             <a:endParaRPr lang="de-DE"/>
           </a:p>
@@ -415,7 +418,7 @@
           <a:p>
             <a:fld id="{F0E51C7C-CEA3-4CAA-BE4B-344879E7C377}" type="datetimeFigureOut">
               <a:rPr lang="de-DE" smtClean="0"/>
-              <a:t>11.05.2019</a:t>
+              <a:t>16.05.2019</a:t>
             </a:fld>
             <a:endParaRPr lang="de-DE"/>
           </a:p>
@@ -457,7 +460,7 @@
           <a:p>
             <a:fld id="{754FE2FE-B55E-4328-8F5C-2CEB8781A47B}" type="slidenum">
               <a:rPr lang="de-DE" smtClean="0"/>
-              <a:t>‹#›</a:t>
+              <a:t>‹nº›</a:t>
             </a:fld>
             <a:endParaRPr lang="de-DE"/>
           </a:p>
@@ -595,7 +598,7 @@
           <a:p>
             <a:fld id="{F0E51C7C-CEA3-4CAA-BE4B-344879E7C377}" type="datetimeFigureOut">
               <a:rPr lang="de-DE" smtClean="0"/>
-              <a:t>11.05.2019</a:t>
+              <a:t>16.05.2019</a:t>
             </a:fld>
             <a:endParaRPr lang="de-DE"/>
           </a:p>
@@ -637,7 +640,7 @@
           <a:p>
             <a:fld id="{754FE2FE-B55E-4328-8F5C-2CEB8781A47B}" type="slidenum">
               <a:rPr lang="de-DE" smtClean="0"/>
-              <a:t>‹#›</a:t>
+              <a:t>‹nº›</a:t>
             </a:fld>
             <a:endParaRPr lang="de-DE"/>
           </a:p>
@@ -765,7 +768,7 @@
           <a:p>
             <a:fld id="{F0E51C7C-CEA3-4CAA-BE4B-344879E7C377}" type="datetimeFigureOut">
               <a:rPr lang="de-DE" smtClean="0"/>
-              <a:t>11.05.2019</a:t>
+              <a:t>16.05.2019</a:t>
             </a:fld>
             <a:endParaRPr lang="de-DE"/>
           </a:p>
@@ -807,7 +810,7 @@
           <a:p>
             <a:fld id="{754FE2FE-B55E-4328-8F5C-2CEB8781A47B}" type="slidenum">
               <a:rPr lang="de-DE" smtClean="0"/>
-              <a:t>‹#›</a:t>
+              <a:t>‹nº›</a:t>
             </a:fld>
             <a:endParaRPr lang="de-DE"/>
           </a:p>
@@ -1011,7 +1014,7 @@
           <a:p>
             <a:fld id="{F0E51C7C-CEA3-4CAA-BE4B-344879E7C377}" type="datetimeFigureOut">
               <a:rPr lang="de-DE" smtClean="0"/>
-              <a:t>11.05.2019</a:t>
+              <a:t>16.05.2019</a:t>
             </a:fld>
             <a:endParaRPr lang="de-DE"/>
           </a:p>
@@ -1053,7 +1056,7 @@
           <a:p>
             <a:fld id="{754FE2FE-B55E-4328-8F5C-2CEB8781A47B}" type="slidenum">
               <a:rPr lang="de-DE" smtClean="0"/>
-              <a:t>‹#›</a:t>
+              <a:t>‹nº›</a:t>
             </a:fld>
             <a:endParaRPr lang="de-DE"/>
           </a:p>
@@ -1243,7 +1246,7 @@
           <a:p>
             <a:fld id="{F0E51C7C-CEA3-4CAA-BE4B-344879E7C377}" type="datetimeFigureOut">
               <a:rPr lang="de-DE" smtClean="0"/>
-              <a:t>11.05.2019</a:t>
+              <a:t>16.05.2019</a:t>
             </a:fld>
             <a:endParaRPr lang="de-DE"/>
           </a:p>
@@ -1285,7 +1288,7 @@
           <a:p>
             <a:fld id="{754FE2FE-B55E-4328-8F5C-2CEB8781A47B}" type="slidenum">
               <a:rPr lang="de-DE" smtClean="0"/>
-              <a:t>‹#›</a:t>
+              <a:t>‹nº›</a:t>
             </a:fld>
             <a:endParaRPr lang="de-DE"/>
           </a:p>
@@ -1610,7 +1613,7 @@
           <a:p>
             <a:fld id="{F0E51C7C-CEA3-4CAA-BE4B-344879E7C377}" type="datetimeFigureOut">
               <a:rPr lang="de-DE" smtClean="0"/>
-              <a:t>11.05.2019</a:t>
+              <a:t>16.05.2019</a:t>
             </a:fld>
             <a:endParaRPr lang="de-DE"/>
           </a:p>
@@ -1652,7 +1655,7 @@
           <a:p>
             <a:fld id="{754FE2FE-B55E-4328-8F5C-2CEB8781A47B}" type="slidenum">
               <a:rPr lang="de-DE" smtClean="0"/>
-              <a:t>‹#›</a:t>
+              <a:t>‹nº›</a:t>
             </a:fld>
             <a:endParaRPr lang="de-DE"/>
           </a:p>
@@ -1728,7 +1731,7 @@
           <a:p>
             <a:fld id="{F0E51C7C-CEA3-4CAA-BE4B-344879E7C377}" type="datetimeFigureOut">
               <a:rPr lang="de-DE" smtClean="0"/>
-              <a:t>11.05.2019</a:t>
+              <a:t>16.05.2019</a:t>
             </a:fld>
             <a:endParaRPr lang="de-DE"/>
           </a:p>
@@ -1770,7 +1773,7 @@
           <a:p>
             <a:fld id="{754FE2FE-B55E-4328-8F5C-2CEB8781A47B}" type="slidenum">
               <a:rPr lang="de-DE" smtClean="0"/>
-              <a:t>‹#›</a:t>
+              <a:t>‹nº›</a:t>
             </a:fld>
             <a:endParaRPr lang="de-DE"/>
           </a:p>
@@ -1823,7 +1826,7 @@
           <a:p>
             <a:fld id="{F0E51C7C-CEA3-4CAA-BE4B-344879E7C377}" type="datetimeFigureOut">
               <a:rPr lang="de-DE" smtClean="0"/>
-              <a:t>11.05.2019</a:t>
+              <a:t>16.05.2019</a:t>
             </a:fld>
             <a:endParaRPr lang="de-DE"/>
           </a:p>
@@ -1865,7 +1868,7 @@
           <a:p>
             <a:fld id="{754FE2FE-B55E-4328-8F5C-2CEB8781A47B}" type="slidenum">
               <a:rPr lang="de-DE" smtClean="0"/>
-              <a:t>‹#›</a:t>
+              <a:t>‹nº›</a:t>
             </a:fld>
             <a:endParaRPr lang="de-DE"/>
           </a:p>
@@ -2100,7 +2103,7 @@
           <a:p>
             <a:fld id="{F0E51C7C-CEA3-4CAA-BE4B-344879E7C377}" type="datetimeFigureOut">
               <a:rPr lang="de-DE" smtClean="0"/>
-              <a:t>11.05.2019</a:t>
+              <a:t>16.05.2019</a:t>
             </a:fld>
             <a:endParaRPr lang="de-DE"/>
           </a:p>
@@ -2142,7 +2145,7 @@
           <a:p>
             <a:fld id="{754FE2FE-B55E-4328-8F5C-2CEB8781A47B}" type="slidenum">
               <a:rPr lang="de-DE" smtClean="0"/>
-              <a:t>‹#›</a:t>
+              <a:t>‹nº›</a:t>
             </a:fld>
             <a:endParaRPr lang="de-DE"/>
           </a:p>
@@ -2353,7 +2356,7 @@
           <a:p>
             <a:fld id="{F0E51C7C-CEA3-4CAA-BE4B-344879E7C377}" type="datetimeFigureOut">
               <a:rPr lang="de-DE" smtClean="0"/>
-              <a:t>11.05.2019</a:t>
+              <a:t>16.05.2019</a:t>
             </a:fld>
             <a:endParaRPr lang="de-DE"/>
           </a:p>
@@ -2395,7 +2398,7 @@
           <a:p>
             <a:fld id="{754FE2FE-B55E-4328-8F5C-2CEB8781A47B}" type="slidenum">
               <a:rPr lang="de-DE" smtClean="0"/>
-              <a:t>‹#›</a:t>
+              <a:t>‹nº›</a:t>
             </a:fld>
             <a:endParaRPr lang="de-DE"/>
           </a:p>
@@ -2566,7 +2569,7 @@
           <a:p>
             <a:fld id="{F0E51C7C-CEA3-4CAA-BE4B-344879E7C377}" type="datetimeFigureOut">
               <a:rPr lang="de-DE" smtClean="0"/>
-              <a:t>11.05.2019</a:t>
+              <a:t>16.05.2019</a:t>
             </a:fld>
             <a:endParaRPr lang="de-DE"/>
           </a:p>
@@ -2644,7 +2647,7 @@
           <a:p>
             <a:fld id="{754FE2FE-B55E-4328-8F5C-2CEB8781A47B}" type="slidenum">
               <a:rPr lang="de-DE" smtClean="0"/>
-              <a:t>‹#›</a:t>
+              <a:t>‹nº›</a:t>
             </a:fld>
             <a:endParaRPr lang="de-DE"/>
           </a:p>
@@ -3145,6 +3148,1030 @@
 <file path=ppt/slides/slide2.xml><?xml version="1.0" encoding="utf-8"?>
 <p:sld xmlns:a="http://schemas.openxmlformats.org/drawingml/2006/main" xmlns:r="http://schemas.openxmlformats.org/officeDocument/2006/relationships" xmlns:p="http://schemas.openxmlformats.org/presentationml/2006/main">
   <p:cSld>
+    <p:spTree>
+      <p:nvGrpSpPr>
+        <p:cNvPr id="1" name=""/>
+        <p:cNvGrpSpPr/>
+        <p:nvPr/>
+      </p:nvGrpSpPr>
+      <p:grpSpPr>
+        <a:xfrm>
+          <a:off x="0" y="0"/>
+          <a:ext cx="0" cy="0"/>
+          <a:chOff x="0" y="0"/>
+          <a:chExt cx="0" cy="0"/>
+        </a:xfrm>
+      </p:grpSpPr>
+      <p:pic>
+        <p:nvPicPr>
+          <p:cNvPr id="4" name="Imagem 3"/>
+          <p:cNvPicPr>
+            <a:picLocks noChangeAspect="1"/>
+          </p:cNvPicPr>
+          <p:nvPr/>
+        </p:nvPicPr>
+        <p:blipFill>
+          <a:blip r:embed="rId2"/>
+          <a:stretch>
+            <a:fillRect/>
+          </a:stretch>
+        </p:blipFill>
+        <p:spPr>
+          <a:xfrm>
+            <a:off x="438394" y="2298358"/>
+            <a:ext cx="11131423" cy="1439308"/>
+          </a:xfrm>
+          <a:prstGeom prst="rect">
+            <a:avLst/>
+          </a:prstGeom>
+        </p:spPr>
+      </p:pic>
+    </p:spTree>
+    <p:extLst>
+      <p:ext uri="{BB962C8B-B14F-4D97-AF65-F5344CB8AC3E}">
+        <p14:creationId xmlns:p14="http://schemas.microsoft.com/office/powerpoint/2010/main" val="126747668"/>
+      </p:ext>
+    </p:extLst>
+  </p:cSld>
+  <p:clrMapOvr>
+    <a:masterClrMapping/>
+  </p:clrMapOvr>
+</p:sld>
+</file>
+
+<file path=ppt/slides/slide3.xml><?xml version="1.0" encoding="utf-8"?>
+<p:sld xmlns:a="http://schemas.openxmlformats.org/drawingml/2006/main" xmlns:r="http://schemas.openxmlformats.org/officeDocument/2006/relationships" xmlns:p="http://schemas.openxmlformats.org/presentationml/2006/main">
+  <p:cSld>
+    <p:spTree>
+      <p:nvGrpSpPr>
+        <p:cNvPr id="1" name=""/>
+        <p:cNvGrpSpPr/>
+        <p:nvPr/>
+      </p:nvGrpSpPr>
+      <p:grpSpPr>
+        <a:xfrm>
+          <a:off x="0" y="0"/>
+          <a:ext cx="0" cy="0"/>
+          <a:chOff x="0" y="0"/>
+          <a:chExt cx="0" cy="0"/>
+        </a:xfrm>
+      </p:grpSpPr>
+      <p:pic>
+        <p:nvPicPr>
+          <p:cNvPr id="12" name="Imagem 11"/>
+          <p:cNvPicPr>
+            <a:picLocks noChangeAspect="1"/>
+          </p:cNvPicPr>
+          <p:nvPr/>
+        </p:nvPicPr>
+        <p:blipFill>
+          <a:blip r:embed="rId2"/>
+          <a:stretch>
+            <a:fillRect/>
+          </a:stretch>
+        </p:blipFill>
+        <p:spPr>
+          <a:xfrm>
+            <a:off x="1890584" y="1164109"/>
+            <a:ext cx="8031892" cy="5019933"/>
+          </a:xfrm>
+          <a:prstGeom prst="rect">
+            <a:avLst/>
+          </a:prstGeom>
+        </p:spPr>
+      </p:pic>
+      <p:sp>
+        <p:nvSpPr>
+          <p:cNvPr id="14" name="CaixaDeTexto 13"/>
+          <p:cNvSpPr txBox="1"/>
+          <p:nvPr/>
+        </p:nvSpPr>
+        <p:spPr>
+          <a:xfrm>
+            <a:off x="4053017" y="481914"/>
+            <a:ext cx="3374898" cy="369332"/>
+          </a:xfrm>
+          <a:prstGeom prst="rect">
+            <a:avLst/>
+          </a:prstGeom>
+          <a:noFill/>
+        </p:spPr>
+        <p:txBody>
+          <a:bodyPr wrap="none" rtlCol="0">
+            <a:spAutoFit/>
+          </a:bodyPr>
+          <a:lstStyle/>
+          <a:p>
+            <a:r>
+              <a:rPr lang="pt-BR" dirty="0" smtClean="0"/>
+              <a:t>Solicitar pedido / Registrar pedido</a:t>
+            </a:r>
+            <a:endParaRPr lang="pt-BR" dirty="0"/>
+          </a:p>
+        </p:txBody>
+      </p:sp>
+      <p:sp>
+        <p:nvSpPr>
+          <p:cNvPr id="15" name="CaixaDeTexto 14"/>
+          <p:cNvSpPr txBox="1"/>
+          <p:nvPr/>
+        </p:nvSpPr>
+        <p:spPr>
+          <a:xfrm>
+            <a:off x="8183315" y="1350719"/>
+            <a:ext cx="1294317" cy="369332"/>
+          </a:xfrm>
+          <a:prstGeom prst="rect">
+            <a:avLst/>
+          </a:prstGeom>
+          <a:solidFill>
+            <a:schemeClr val="accent1">
+              <a:lumMod val="40000"/>
+              <a:lumOff val="60000"/>
+            </a:schemeClr>
+          </a:solidFill>
+        </p:spPr>
+        <p:txBody>
+          <a:bodyPr wrap="square" rtlCol="0">
+            <a:spAutoFit/>
+          </a:bodyPr>
+          <a:lstStyle/>
+          <a:p>
+            <a:r>
+              <a:rPr lang="pt-BR" b="1" dirty="0" smtClean="0"/>
+              <a:t>CLIENTE</a:t>
+            </a:r>
+            <a:endParaRPr lang="pt-BR" b="1" dirty="0"/>
+          </a:p>
+        </p:txBody>
+      </p:sp>
+      <p:sp>
+        <p:nvSpPr>
+          <p:cNvPr id="16" name="Retângulo 15"/>
+          <p:cNvSpPr/>
+          <p:nvPr/>
+        </p:nvSpPr>
+        <p:spPr>
+          <a:xfrm>
+            <a:off x="2011919" y="1528043"/>
+            <a:ext cx="2658207" cy="1161535"/>
+          </a:xfrm>
+          <a:prstGeom prst="rect">
+            <a:avLst/>
+          </a:prstGeom>
+          <a:solidFill>
+            <a:schemeClr val="bg1"/>
+          </a:solidFill>
+          <a:ln>
+            <a:solidFill>
+              <a:schemeClr val="bg1"/>
+            </a:solidFill>
+          </a:ln>
+        </p:spPr>
+        <p:style>
+          <a:lnRef idx="2">
+            <a:schemeClr val="accent1">
+              <a:shade val="50000"/>
+            </a:schemeClr>
+          </a:lnRef>
+          <a:fillRef idx="1">
+            <a:schemeClr val="accent1"/>
+          </a:fillRef>
+          <a:effectRef idx="0">
+            <a:schemeClr val="accent1"/>
+          </a:effectRef>
+          <a:fontRef idx="minor">
+            <a:schemeClr val="lt1"/>
+          </a:fontRef>
+        </p:style>
+        <p:txBody>
+          <a:bodyPr rtlCol="0" anchor="ctr"/>
+          <a:lstStyle/>
+          <a:p>
+            <a:pPr algn="ctr"/>
+            <a:endParaRPr lang="pt-BR"/>
+          </a:p>
+        </p:txBody>
+      </p:sp>
+      <p:sp>
+        <p:nvSpPr>
+          <p:cNvPr id="17" name="Retângulo 16"/>
+          <p:cNvSpPr/>
+          <p:nvPr/>
+        </p:nvSpPr>
+        <p:spPr>
+          <a:xfrm>
+            <a:off x="3203324" y="1760675"/>
+            <a:ext cx="1419300" cy="1161535"/>
+          </a:xfrm>
+          <a:prstGeom prst="rect">
+            <a:avLst/>
+          </a:prstGeom>
+          <a:solidFill>
+            <a:schemeClr val="bg1"/>
+          </a:solidFill>
+          <a:ln>
+            <a:solidFill>
+              <a:schemeClr val="bg1"/>
+            </a:solidFill>
+          </a:ln>
+        </p:spPr>
+        <p:style>
+          <a:lnRef idx="2">
+            <a:schemeClr val="accent1">
+              <a:shade val="50000"/>
+            </a:schemeClr>
+          </a:lnRef>
+          <a:fillRef idx="1">
+            <a:schemeClr val="accent1"/>
+          </a:fillRef>
+          <a:effectRef idx="0">
+            <a:schemeClr val="accent1"/>
+          </a:effectRef>
+          <a:fontRef idx="minor">
+            <a:schemeClr val="lt1"/>
+          </a:fontRef>
+        </p:style>
+        <p:txBody>
+          <a:bodyPr rtlCol="0" anchor="ctr"/>
+          <a:lstStyle/>
+          <a:p>
+            <a:pPr algn="ctr"/>
+            <a:endParaRPr lang="pt-BR"/>
+          </a:p>
+        </p:txBody>
+      </p:sp>
+      <p:sp>
+        <p:nvSpPr>
+          <p:cNvPr id="18" name="Retângulo 17"/>
+          <p:cNvSpPr/>
+          <p:nvPr/>
+        </p:nvSpPr>
+        <p:spPr>
+          <a:xfrm>
+            <a:off x="1605353" y="1778749"/>
+            <a:ext cx="2022390" cy="1161535"/>
+          </a:xfrm>
+          <a:prstGeom prst="rect">
+            <a:avLst/>
+          </a:prstGeom>
+          <a:solidFill>
+            <a:schemeClr val="bg1"/>
+          </a:solidFill>
+          <a:ln>
+            <a:solidFill>
+              <a:schemeClr val="bg1"/>
+            </a:solidFill>
+          </a:ln>
+        </p:spPr>
+        <p:style>
+          <a:lnRef idx="2">
+            <a:schemeClr val="accent1">
+              <a:shade val="50000"/>
+            </a:schemeClr>
+          </a:lnRef>
+          <a:fillRef idx="1">
+            <a:schemeClr val="accent1"/>
+          </a:fillRef>
+          <a:effectRef idx="0">
+            <a:schemeClr val="accent1"/>
+          </a:effectRef>
+          <a:fontRef idx="minor">
+            <a:schemeClr val="lt1"/>
+          </a:fontRef>
+        </p:style>
+        <p:txBody>
+          <a:bodyPr rtlCol="0" anchor="ctr"/>
+          <a:lstStyle/>
+          <a:p>
+            <a:pPr algn="ctr"/>
+            <a:endParaRPr lang="pt-BR"/>
+          </a:p>
+        </p:txBody>
+      </p:sp>
+      <p:sp>
+        <p:nvSpPr>
+          <p:cNvPr id="19" name="Retângulo 18"/>
+          <p:cNvSpPr/>
+          <p:nvPr/>
+        </p:nvSpPr>
+        <p:spPr>
+          <a:xfrm rot="860618">
+            <a:off x="1670430" y="926178"/>
+            <a:ext cx="2342190" cy="1065536"/>
+          </a:xfrm>
+          <a:prstGeom prst="rect">
+            <a:avLst/>
+          </a:prstGeom>
+          <a:solidFill>
+            <a:schemeClr val="bg1"/>
+          </a:solidFill>
+          <a:ln>
+            <a:solidFill>
+              <a:schemeClr val="bg1"/>
+            </a:solidFill>
+          </a:ln>
+        </p:spPr>
+        <p:style>
+          <a:lnRef idx="2">
+            <a:schemeClr val="accent1">
+              <a:shade val="50000"/>
+            </a:schemeClr>
+          </a:lnRef>
+          <a:fillRef idx="1">
+            <a:schemeClr val="accent1"/>
+          </a:fillRef>
+          <a:effectRef idx="0">
+            <a:schemeClr val="accent1"/>
+          </a:effectRef>
+          <a:fontRef idx="minor">
+            <a:schemeClr val="lt1"/>
+          </a:fontRef>
+        </p:style>
+        <p:txBody>
+          <a:bodyPr rtlCol="0" anchor="ctr"/>
+          <a:lstStyle/>
+          <a:p>
+            <a:pPr algn="ctr"/>
+            <a:endParaRPr lang="pt-BR"/>
+          </a:p>
+        </p:txBody>
+      </p:sp>
+      <p:sp>
+        <p:nvSpPr>
+          <p:cNvPr id="20" name="Retângulo 19"/>
+          <p:cNvSpPr/>
+          <p:nvPr/>
+        </p:nvSpPr>
+        <p:spPr>
+          <a:xfrm rot="8882746">
+            <a:off x="1728442" y="1455787"/>
+            <a:ext cx="2658207" cy="1305053"/>
+          </a:xfrm>
+          <a:prstGeom prst="rect">
+            <a:avLst/>
+          </a:prstGeom>
+          <a:solidFill>
+            <a:schemeClr val="bg1"/>
+          </a:solidFill>
+          <a:ln>
+            <a:solidFill>
+              <a:schemeClr val="bg1"/>
+            </a:solidFill>
+          </a:ln>
+        </p:spPr>
+        <p:style>
+          <a:lnRef idx="2">
+            <a:schemeClr val="accent1">
+              <a:shade val="50000"/>
+            </a:schemeClr>
+          </a:lnRef>
+          <a:fillRef idx="1">
+            <a:schemeClr val="accent1"/>
+          </a:fillRef>
+          <a:effectRef idx="0">
+            <a:schemeClr val="accent1"/>
+          </a:effectRef>
+          <a:fontRef idx="minor">
+            <a:schemeClr val="lt1"/>
+          </a:fontRef>
+        </p:style>
+        <p:txBody>
+          <a:bodyPr rtlCol="0" anchor="ctr"/>
+          <a:lstStyle/>
+          <a:p>
+            <a:pPr algn="ctr"/>
+            <a:endParaRPr lang="pt-BR"/>
+          </a:p>
+        </p:txBody>
+      </p:sp>
+      <p:sp>
+        <p:nvSpPr>
+          <p:cNvPr id="21" name="Retângulo 20"/>
+          <p:cNvSpPr/>
+          <p:nvPr/>
+        </p:nvSpPr>
+        <p:spPr>
+          <a:xfrm>
+            <a:off x="1574948" y="3009309"/>
+            <a:ext cx="1687235" cy="1161535"/>
+          </a:xfrm>
+          <a:prstGeom prst="rect">
+            <a:avLst/>
+          </a:prstGeom>
+          <a:solidFill>
+            <a:schemeClr val="bg1"/>
+          </a:solidFill>
+          <a:ln>
+            <a:solidFill>
+              <a:schemeClr val="bg1"/>
+            </a:solidFill>
+          </a:ln>
+        </p:spPr>
+        <p:style>
+          <a:lnRef idx="2">
+            <a:schemeClr val="accent1">
+              <a:shade val="50000"/>
+            </a:schemeClr>
+          </a:lnRef>
+          <a:fillRef idx="1">
+            <a:schemeClr val="accent1"/>
+          </a:fillRef>
+          <a:effectRef idx="0">
+            <a:schemeClr val="accent1"/>
+          </a:effectRef>
+          <a:fontRef idx="minor">
+            <a:schemeClr val="lt1"/>
+          </a:fontRef>
+        </p:style>
+        <p:txBody>
+          <a:bodyPr rtlCol="0" anchor="ctr"/>
+          <a:lstStyle/>
+          <a:p>
+            <a:pPr algn="ctr"/>
+            <a:endParaRPr lang="pt-BR"/>
+          </a:p>
+        </p:txBody>
+      </p:sp>
+      <p:sp>
+        <p:nvSpPr>
+          <p:cNvPr id="22" name="Retângulo 21"/>
+          <p:cNvSpPr/>
+          <p:nvPr/>
+        </p:nvSpPr>
+        <p:spPr>
+          <a:xfrm rot="18625658">
+            <a:off x="1497392" y="2193999"/>
+            <a:ext cx="2658207" cy="1220383"/>
+          </a:xfrm>
+          <a:prstGeom prst="rect">
+            <a:avLst/>
+          </a:prstGeom>
+          <a:solidFill>
+            <a:schemeClr val="bg1"/>
+          </a:solidFill>
+          <a:ln>
+            <a:solidFill>
+              <a:schemeClr val="bg1"/>
+            </a:solidFill>
+          </a:ln>
+        </p:spPr>
+        <p:style>
+          <a:lnRef idx="2">
+            <a:schemeClr val="accent1">
+              <a:shade val="50000"/>
+            </a:schemeClr>
+          </a:lnRef>
+          <a:fillRef idx="1">
+            <a:schemeClr val="accent1"/>
+          </a:fillRef>
+          <a:effectRef idx="0">
+            <a:schemeClr val="accent1"/>
+          </a:effectRef>
+          <a:fontRef idx="minor">
+            <a:schemeClr val="lt1"/>
+          </a:fontRef>
+        </p:style>
+        <p:txBody>
+          <a:bodyPr rtlCol="0" anchor="ctr"/>
+          <a:lstStyle/>
+          <a:p>
+            <a:pPr algn="ctr"/>
+            <a:endParaRPr lang="pt-BR"/>
+          </a:p>
+        </p:txBody>
+      </p:sp>
+      <p:sp>
+        <p:nvSpPr>
+          <p:cNvPr id="23" name="Retângulo 22"/>
+          <p:cNvSpPr/>
+          <p:nvPr/>
+        </p:nvSpPr>
+        <p:spPr>
+          <a:xfrm rot="869623">
+            <a:off x="3749334" y="2037275"/>
+            <a:ext cx="1419300" cy="366958"/>
+          </a:xfrm>
+          <a:prstGeom prst="rect">
+            <a:avLst/>
+          </a:prstGeom>
+          <a:solidFill>
+            <a:schemeClr val="bg1"/>
+          </a:solidFill>
+          <a:ln>
+            <a:solidFill>
+              <a:schemeClr val="bg1"/>
+            </a:solidFill>
+          </a:ln>
+        </p:spPr>
+        <p:style>
+          <a:lnRef idx="2">
+            <a:schemeClr val="accent1">
+              <a:shade val="50000"/>
+            </a:schemeClr>
+          </a:lnRef>
+          <a:fillRef idx="1">
+            <a:schemeClr val="accent1"/>
+          </a:fillRef>
+          <a:effectRef idx="0">
+            <a:schemeClr val="accent1"/>
+          </a:effectRef>
+          <a:fontRef idx="minor">
+            <a:schemeClr val="lt1"/>
+          </a:fontRef>
+        </p:style>
+        <p:txBody>
+          <a:bodyPr rtlCol="0" anchor="ctr"/>
+          <a:lstStyle/>
+          <a:p>
+            <a:pPr algn="ctr"/>
+            <a:endParaRPr lang="pt-BR"/>
+          </a:p>
+        </p:txBody>
+      </p:sp>
+    </p:spTree>
+    <p:extLst>
+      <p:ext uri="{BB962C8B-B14F-4D97-AF65-F5344CB8AC3E}">
+        <p14:creationId xmlns:p14="http://schemas.microsoft.com/office/powerpoint/2010/main" val="619707482"/>
+      </p:ext>
+    </p:extLst>
+  </p:cSld>
+  <p:clrMapOvr>
+    <a:masterClrMapping/>
+  </p:clrMapOvr>
+</p:sld>
+</file>
+
+<file path=ppt/slides/slide4.xml><?xml version="1.0" encoding="utf-8"?>
+<p:sld xmlns:a="http://schemas.openxmlformats.org/drawingml/2006/main" xmlns:r="http://schemas.openxmlformats.org/officeDocument/2006/relationships" xmlns:p="http://schemas.openxmlformats.org/presentationml/2006/main">
+  <p:cSld>
+    <p:spTree>
+      <p:nvGrpSpPr>
+        <p:cNvPr id="1" name=""/>
+        <p:cNvGrpSpPr/>
+        <p:nvPr/>
+      </p:nvGrpSpPr>
+      <p:grpSpPr>
+        <a:xfrm>
+          <a:off x="0" y="0"/>
+          <a:ext cx="0" cy="0"/>
+          <a:chOff x="0" y="0"/>
+          <a:chExt cx="0" cy="0"/>
+        </a:xfrm>
+      </p:grpSpPr>
+      <p:sp>
+        <p:nvSpPr>
+          <p:cNvPr id="4" name="Título 1">
+            <a:extLst>
+              <a:ext uri="{FF2B5EF4-FFF2-40B4-BE49-F238E27FC236}">
+                <a16:creationId xmlns:a16="http://schemas.microsoft.com/office/drawing/2014/main" xmlns="" id="{77CE2ED0-3A26-43BD-8017-2D08C9C12598}"/>
+              </a:ext>
+            </a:extLst>
+          </p:cNvPr>
+          <p:cNvSpPr>
+            <a:spLocks noGrp="1"/>
+          </p:cNvSpPr>
+          <p:nvPr>
+            <p:ph type="title"/>
+          </p:nvPr>
+        </p:nvSpPr>
+        <p:spPr>
+          <a:xfrm>
+            <a:off x="1796147" y="971204"/>
+            <a:ext cx="4714301" cy="903656"/>
+          </a:xfrm>
+        </p:spPr>
+        <p:txBody>
+          <a:bodyPr anchor="b">
+            <a:normAutofit/>
+          </a:bodyPr>
+          <a:lstStyle/>
+          <a:p>
+            <a:r>
+              <a:rPr lang="pt-BR" sz="2400" b="1" dirty="0">
+                <a:latin typeface="Arial" panose="020B0604020202020204" pitchFamily="34" charset="0"/>
+                <a:cs typeface="Arial" panose="020B0604020202020204" pitchFamily="34" charset="0"/>
+              </a:rPr>
+              <a:t>Descrição dos</a:t>
+            </a:r>
+            <a:br>
+              <a:rPr lang="pt-BR" sz="2400" b="1" dirty="0">
+                <a:latin typeface="Arial" panose="020B0604020202020204" pitchFamily="34" charset="0"/>
+                <a:cs typeface="Arial" panose="020B0604020202020204" pitchFamily="34" charset="0"/>
+              </a:rPr>
+            </a:br>
+            <a:r>
+              <a:rPr lang="pt-BR" sz="2400" b="1" dirty="0">
+                <a:latin typeface="Arial" panose="020B0604020202020204" pitchFamily="34" charset="0"/>
+                <a:cs typeface="Arial" panose="020B0604020202020204" pitchFamily="34" charset="0"/>
+              </a:rPr>
+              <a:t>Processos de Negócio</a:t>
+            </a:r>
+          </a:p>
+        </p:txBody>
+      </p:sp>
+      <p:sp>
+        <p:nvSpPr>
+          <p:cNvPr id="5" name="CaixaDeTexto 4">
+            <a:extLst>
+              <a:ext uri="{FF2B5EF4-FFF2-40B4-BE49-F238E27FC236}">
+                <a16:creationId xmlns:a16="http://schemas.microsoft.com/office/drawing/2014/main" xmlns="" id="{9027796C-0961-46D1-8725-3389D2548B9E}"/>
+              </a:ext>
+            </a:extLst>
+          </p:cNvPr>
+          <p:cNvSpPr txBox="1"/>
+          <p:nvPr/>
+        </p:nvSpPr>
+        <p:spPr>
+          <a:xfrm>
+            <a:off x="1796147" y="2085910"/>
+            <a:ext cx="4752840" cy="1200329"/>
+          </a:xfrm>
+          <a:prstGeom prst="rect">
+            <a:avLst/>
+          </a:prstGeom>
+          <a:solidFill>
+            <a:schemeClr val="bg2"/>
+          </a:solidFill>
+        </p:spPr>
+        <p:txBody>
+          <a:bodyPr wrap="none" rtlCol="0">
+            <a:spAutoFit/>
+          </a:bodyPr>
+          <a:lstStyle/>
+          <a:p>
+            <a:r>
+              <a:rPr lang="pt-BR" b="1" dirty="0" smtClean="0"/>
+              <a:t>Solicitar Pedido</a:t>
+            </a:r>
+            <a:endParaRPr lang="pt-BR" b="1" dirty="0"/>
+          </a:p>
+          <a:p>
+            <a:r>
+              <a:rPr lang="pt-BR" b="1" dirty="0"/>
+              <a:t>Evento: </a:t>
+            </a:r>
+            <a:r>
+              <a:rPr lang="pt-BR" dirty="0"/>
+              <a:t>Cliente </a:t>
+            </a:r>
+            <a:r>
+              <a:rPr lang="pt-BR" dirty="0" smtClean="0"/>
+              <a:t>solicita pedido.</a:t>
+            </a:r>
+            <a:endParaRPr lang="pt-BR" dirty="0"/>
+          </a:p>
+          <a:p>
+            <a:r>
+              <a:rPr lang="pt-BR" b="1" dirty="0"/>
+              <a:t>Objetivo:  </a:t>
+            </a:r>
+            <a:r>
+              <a:rPr lang="pt-BR" dirty="0"/>
+              <a:t>Anotar pedidos realizados pelo cliente</a:t>
+            </a:r>
+            <a:endParaRPr lang="pt-BR" b="1" dirty="0"/>
+          </a:p>
+          <a:p>
+            <a:r>
+              <a:rPr lang="pt-BR" b="1" dirty="0"/>
+              <a:t>Trabalhadores Envolvidos: </a:t>
+            </a:r>
+            <a:r>
+              <a:rPr lang="pt-BR" dirty="0" smtClean="0"/>
+              <a:t>Vendedor e Cliente</a:t>
+            </a:r>
+            <a:endParaRPr lang="pt-BR" dirty="0"/>
+          </a:p>
+        </p:txBody>
+      </p:sp>
+      <p:sp>
+        <p:nvSpPr>
+          <p:cNvPr id="6" name="CaixaDeTexto 5">
+            <a:extLst>
+              <a:ext uri="{FF2B5EF4-FFF2-40B4-BE49-F238E27FC236}">
+                <a16:creationId xmlns:a16="http://schemas.microsoft.com/office/drawing/2014/main" xmlns="" id="{282A129C-45E2-42BD-ABC7-4E156E9B89CA}"/>
+              </a:ext>
+            </a:extLst>
+          </p:cNvPr>
+          <p:cNvSpPr txBox="1"/>
+          <p:nvPr/>
+        </p:nvSpPr>
+        <p:spPr>
+          <a:xfrm>
+            <a:off x="2122478" y="3474157"/>
+            <a:ext cx="4061637" cy="3139321"/>
+          </a:xfrm>
+          <a:prstGeom prst="rect">
+            <a:avLst/>
+          </a:prstGeom>
+          <a:noFill/>
+        </p:spPr>
+        <p:txBody>
+          <a:bodyPr wrap="square" rtlCol="0">
+            <a:spAutoFit/>
+          </a:bodyPr>
+          <a:lstStyle/>
+          <a:p>
+            <a:pPr marL="285750" indent="-285750">
+              <a:buFont typeface="Arial" panose="020B0604020202020204" pitchFamily="34" charset="0"/>
+              <a:buChar char="•"/>
+            </a:pPr>
+            <a:r>
+              <a:rPr lang="pt-BR" dirty="0"/>
+              <a:t>Vendedor recebe pedido(produtos) do cliente.</a:t>
+            </a:r>
+          </a:p>
+          <a:p>
+            <a:pPr marL="285750" indent="-285750">
+              <a:buFont typeface="Arial" panose="020B0604020202020204" pitchFamily="34" charset="0"/>
+              <a:buChar char="•"/>
+            </a:pPr>
+            <a:r>
+              <a:rPr lang="pt-BR" dirty="0"/>
+              <a:t>Informa valor do pedido ao cliente.</a:t>
+            </a:r>
+          </a:p>
+          <a:p>
+            <a:pPr marL="742950" lvl="1" indent="-285750">
+              <a:buFont typeface="Arial" panose="020B0604020202020204" pitchFamily="34" charset="0"/>
+              <a:buChar char="•"/>
+            </a:pPr>
+            <a:r>
+              <a:rPr lang="pt-BR" dirty="0"/>
+              <a:t>Se o cliente recusar o pedido o processo é cancelado e finalizado.</a:t>
+            </a:r>
+          </a:p>
+          <a:p>
+            <a:pPr marL="285750" indent="-285750">
+              <a:buFont typeface="Arial" panose="020B0604020202020204" pitchFamily="34" charset="0"/>
+              <a:buChar char="•"/>
+            </a:pPr>
+            <a:r>
+              <a:rPr lang="pt-BR" dirty="0"/>
+              <a:t>Armazena o  pedido do cliente em Pedido.</a:t>
+            </a:r>
+          </a:p>
+          <a:p>
+            <a:pPr marL="285750" indent="-285750">
+              <a:buFont typeface="Arial" panose="020B0604020202020204" pitchFamily="34" charset="0"/>
+              <a:buChar char="•"/>
+            </a:pPr>
+            <a:r>
+              <a:rPr lang="pt-BR" dirty="0"/>
+              <a:t>Da a baixa dos produtos comprados pelo cliente no Estoque.</a:t>
+            </a:r>
+          </a:p>
+          <a:p>
+            <a:pPr marL="285750" indent="-285750">
+              <a:buFont typeface="Arial" panose="020B0604020202020204" pitchFamily="34" charset="0"/>
+              <a:buChar char="•"/>
+            </a:pPr>
+            <a:endParaRPr lang="pt-BR" dirty="0"/>
+          </a:p>
+        </p:txBody>
+      </p:sp>
+      <p:sp>
+        <p:nvSpPr>
+          <p:cNvPr id="7" name="Título 1">
+            <a:extLst>
+              <a:ext uri="{FF2B5EF4-FFF2-40B4-BE49-F238E27FC236}">
+                <a16:creationId xmlns:a16="http://schemas.microsoft.com/office/drawing/2014/main" xmlns="" id="{77CE2ED0-3A26-43BD-8017-2D08C9C12598}"/>
+              </a:ext>
+            </a:extLst>
+          </p:cNvPr>
+          <p:cNvSpPr txBox="1">
+            <a:spLocks/>
+          </p:cNvSpPr>
+          <p:nvPr/>
+        </p:nvSpPr>
+        <p:spPr>
+          <a:xfrm>
+            <a:off x="6965390" y="971204"/>
+            <a:ext cx="4714301" cy="903656"/>
+          </a:xfrm>
+          <a:prstGeom prst="rect">
+            <a:avLst/>
+          </a:prstGeom>
+        </p:spPr>
+        <p:txBody>
+          <a:bodyPr vert="horz" lIns="91440" tIns="45720" rIns="91440" bIns="45720" rtlCol="0" anchor="b">
+            <a:normAutofit/>
+          </a:bodyPr>
+          <a:lstStyle>
+            <a:lvl1pPr algn="l" defTabSz="914400" rtl="0" eaLnBrk="1" latinLnBrk="0" hangingPunct="1">
+              <a:lnSpc>
+                <a:spcPct val="90000"/>
+              </a:lnSpc>
+              <a:spcBef>
+                <a:spcPct val="0"/>
+              </a:spcBef>
+              <a:buNone/>
+              <a:defRPr sz="4400" kern="1200">
+                <a:solidFill>
+                  <a:schemeClr val="tx1"/>
+                </a:solidFill>
+                <a:latin typeface="+mj-lt"/>
+                <a:ea typeface="+mj-ea"/>
+                <a:cs typeface="+mj-cs"/>
+              </a:defRPr>
+            </a:lvl1pPr>
+          </a:lstStyle>
+          <a:p>
+            <a:r>
+              <a:rPr lang="pt-BR" sz="2400" b="1" dirty="0" smtClean="0">
+                <a:latin typeface="Arial" panose="020B0604020202020204" pitchFamily="34" charset="0"/>
+                <a:cs typeface="Arial" panose="020B0604020202020204" pitchFamily="34" charset="0"/>
+              </a:rPr>
+              <a:t>Descrição dos</a:t>
+            </a:r>
+            <a:br>
+              <a:rPr lang="pt-BR" sz="2400" b="1" dirty="0" smtClean="0">
+                <a:latin typeface="Arial" panose="020B0604020202020204" pitchFamily="34" charset="0"/>
+                <a:cs typeface="Arial" panose="020B0604020202020204" pitchFamily="34" charset="0"/>
+              </a:rPr>
+            </a:br>
+            <a:r>
+              <a:rPr lang="pt-BR" sz="2400" b="1" dirty="0" smtClean="0">
+                <a:latin typeface="Arial" panose="020B0604020202020204" pitchFamily="34" charset="0"/>
+                <a:cs typeface="Arial" panose="020B0604020202020204" pitchFamily="34" charset="0"/>
+              </a:rPr>
+              <a:t>Processos de Negócio</a:t>
+            </a:r>
+            <a:endParaRPr lang="pt-BR" sz="2400" b="1" dirty="0">
+              <a:latin typeface="Arial" panose="020B0604020202020204" pitchFamily="34" charset="0"/>
+              <a:cs typeface="Arial" panose="020B0604020202020204" pitchFamily="34" charset="0"/>
+            </a:endParaRPr>
+          </a:p>
+        </p:txBody>
+      </p:sp>
+      <p:sp>
+        <p:nvSpPr>
+          <p:cNvPr id="8" name="CaixaDeTexto 7">
+            <a:extLst>
+              <a:ext uri="{FF2B5EF4-FFF2-40B4-BE49-F238E27FC236}">
+                <a16:creationId xmlns:a16="http://schemas.microsoft.com/office/drawing/2014/main" xmlns="" id="{9027796C-0961-46D1-8725-3389D2548B9E}"/>
+              </a:ext>
+            </a:extLst>
+          </p:cNvPr>
+          <p:cNvSpPr txBox="1"/>
+          <p:nvPr/>
+        </p:nvSpPr>
+        <p:spPr>
+          <a:xfrm>
+            <a:off x="6965390" y="2085909"/>
+            <a:ext cx="4939878" cy="1200329"/>
+          </a:xfrm>
+          <a:prstGeom prst="rect">
+            <a:avLst/>
+          </a:prstGeom>
+          <a:solidFill>
+            <a:schemeClr val="bg2"/>
+          </a:solidFill>
+        </p:spPr>
+        <p:txBody>
+          <a:bodyPr wrap="none" rtlCol="0">
+            <a:spAutoFit/>
+          </a:bodyPr>
+          <a:lstStyle/>
+          <a:p>
+            <a:r>
+              <a:rPr lang="pt-BR" b="1" dirty="0" smtClean="0"/>
+              <a:t>Registrar Pedido</a:t>
+            </a:r>
+            <a:endParaRPr lang="pt-BR" b="1" dirty="0"/>
+          </a:p>
+          <a:p>
+            <a:r>
+              <a:rPr lang="pt-BR" b="1" dirty="0"/>
+              <a:t>Evento: </a:t>
+            </a:r>
+            <a:r>
+              <a:rPr lang="pt-BR" dirty="0" smtClean="0"/>
+              <a:t>Vendedor registra pedido.</a:t>
+            </a:r>
+            <a:endParaRPr lang="pt-BR" dirty="0"/>
+          </a:p>
+          <a:p>
+            <a:r>
+              <a:rPr lang="pt-BR" b="1" dirty="0"/>
+              <a:t>Objetivo:  </a:t>
+            </a:r>
+            <a:r>
+              <a:rPr lang="pt-BR" dirty="0" smtClean="0"/>
+              <a:t>Registrar </a:t>
+            </a:r>
+            <a:r>
+              <a:rPr lang="pt-BR" dirty="0"/>
+              <a:t>pedidos realizados pelo cliente</a:t>
+            </a:r>
+            <a:endParaRPr lang="pt-BR" b="1" dirty="0"/>
+          </a:p>
+          <a:p>
+            <a:r>
+              <a:rPr lang="pt-BR" b="1" dirty="0"/>
+              <a:t>Trabalhadores Envolvidos: </a:t>
+            </a:r>
+            <a:r>
+              <a:rPr lang="pt-BR" dirty="0"/>
+              <a:t>Vendedor</a:t>
+            </a:r>
+          </a:p>
+        </p:txBody>
+      </p:sp>
+      <p:sp>
+        <p:nvSpPr>
+          <p:cNvPr id="9" name="CaixaDeTexto 8">
+            <a:extLst>
+              <a:ext uri="{FF2B5EF4-FFF2-40B4-BE49-F238E27FC236}">
+                <a16:creationId xmlns:a16="http://schemas.microsoft.com/office/drawing/2014/main" xmlns="" id="{282A129C-45E2-42BD-ABC7-4E156E9B89CA}"/>
+              </a:ext>
+            </a:extLst>
+          </p:cNvPr>
+          <p:cNvSpPr txBox="1"/>
+          <p:nvPr/>
+        </p:nvSpPr>
+        <p:spPr>
+          <a:xfrm>
+            <a:off x="7291721" y="3497287"/>
+            <a:ext cx="4061637" cy="2031325"/>
+          </a:xfrm>
+          <a:prstGeom prst="rect">
+            <a:avLst/>
+          </a:prstGeom>
+          <a:noFill/>
+        </p:spPr>
+        <p:txBody>
+          <a:bodyPr wrap="square" rtlCol="0">
+            <a:spAutoFit/>
+          </a:bodyPr>
+          <a:lstStyle/>
+          <a:p>
+            <a:pPr marL="285750" indent="-285750">
+              <a:buFont typeface="Arial" panose="020B0604020202020204" pitchFamily="34" charset="0"/>
+              <a:buChar char="•"/>
+            </a:pPr>
+            <a:r>
+              <a:rPr lang="pt-BR" dirty="0"/>
+              <a:t>Vendedor </a:t>
+            </a:r>
+            <a:r>
+              <a:rPr lang="pt-BR" dirty="0" smtClean="0"/>
+              <a:t>verifica pedido do Cliente em Pedido.</a:t>
+            </a:r>
+            <a:endParaRPr lang="pt-BR" dirty="0"/>
+          </a:p>
+          <a:p>
+            <a:pPr marL="285750" indent="-285750">
+              <a:buFont typeface="Arial" panose="020B0604020202020204" pitchFamily="34" charset="0"/>
+              <a:buChar char="•"/>
+            </a:pPr>
+            <a:r>
+              <a:rPr lang="pt-BR" dirty="0" smtClean="0"/>
+              <a:t>Armazena pedido do cliente em pedido.</a:t>
+            </a:r>
+            <a:endParaRPr lang="pt-BR" dirty="0"/>
+          </a:p>
+          <a:p>
+            <a:pPr marL="285750" indent="-285750">
+              <a:buFont typeface="Arial" panose="020B0604020202020204" pitchFamily="34" charset="0"/>
+              <a:buChar char="•"/>
+            </a:pPr>
+            <a:r>
+              <a:rPr lang="pt-BR" dirty="0" smtClean="0"/>
+              <a:t>Armazena dados do Cliente em Cliente</a:t>
+            </a:r>
+            <a:r>
+              <a:rPr lang="pt-BR" dirty="0" smtClean="0"/>
+              <a:t>.</a:t>
+            </a:r>
+            <a:endParaRPr lang="pt-BR" dirty="0"/>
+          </a:p>
+          <a:p>
+            <a:pPr marL="285750" indent="-285750">
+              <a:buFont typeface="Arial" panose="020B0604020202020204" pitchFamily="34" charset="0"/>
+              <a:buChar char="•"/>
+            </a:pPr>
+            <a:endParaRPr lang="pt-BR" dirty="0"/>
+          </a:p>
+        </p:txBody>
+      </p:sp>
+    </p:spTree>
+    <p:extLst>
+      <p:ext uri="{BB962C8B-B14F-4D97-AF65-F5344CB8AC3E}">
+        <p14:creationId xmlns:p14="http://schemas.microsoft.com/office/powerpoint/2010/main" val="2831210026"/>
+      </p:ext>
+    </p:extLst>
+  </p:cSld>
+  <p:clrMapOvr>
+    <a:masterClrMapping/>
+  </p:clrMapOvr>
+</p:sld>
+</file>
+
+<file path=ppt/slides/slide5.xml><?xml version="1.0" encoding="utf-8"?>
+<p:sld xmlns:a="http://schemas.openxmlformats.org/drawingml/2006/main" xmlns:r="http://schemas.openxmlformats.org/officeDocument/2006/relationships" xmlns:p="http://schemas.openxmlformats.org/presentationml/2006/main">
+  <p:cSld>
     <p:bg>
       <p:bgPr>
         <a:solidFill>
@@ -3172,10 +4199,10 @@
           <p:cNvPr id="21" name="Rectangle 20">
             <a:extLst>
               <a:ext uri="{FF2B5EF4-FFF2-40B4-BE49-F238E27FC236}">
-                <a16:creationId xmlns:a16="http://schemas.microsoft.com/office/drawing/2014/main" id="{32BC26D8-82FB-445E-AA49-62A77D7C1EE0}"/>
+                <a16:creationId xmlns:a16="http://schemas.microsoft.com/office/drawing/2014/main" xmlns="" id="{32BC26D8-82FB-445E-AA49-62A77D7C1EE0}"/>
               </a:ext>
               <a:ext uri="{C183D7F6-B498-43B3-948B-1728B52AA6E4}">
-                <adec:decorative xmlns:adec="http://schemas.microsoft.com/office/drawing/2017/decorative" val="1"/>
+                <adec:decorative xmlns:adec="http://schemas.microsoft.com/office/drawing/2017/decorative" xmlns="" val="1"/>
               </a:ext>
             </a:extLst>
           </p:cNvPr>
@@ -3185,7 +4212,7 @@
           <p:nvPr>
             <p:extLst>
               <p:ext uri="{386F3935-93C4-4BCD-93E2-E3B085C9AB24}">
-                <p16:designElem xmlns:p16="http://schemas.microsoft.com/office/powerpoint/2015/main" val="1"/>
+                <p16:designElem xmlns:p16="http://schemas.microsoft.com/office/powerpoint/2015/main" xmlns="" val="1"/>
               </p:ext>
             </p:extLst>
           </p:nvPr>
@@ -3238,10 +4265,10 @@
           <p:cNvPr id="23" name="Rectangle 22">
             <a:extLst>
               <a:ext uri="{FF2B5EF4-FFF2-40B4-BE49-F238E27FC236}">
-                <a16:creationId xmlns:a16="http://schemas.microsoft.com/office/drawing/2014/main" id="{CB44330D-EA18-4254-AA95-EB49948539B8}"/>
+                <a16:creationId xmlns:a16="http://schemas.microsoft.com/office/drawing/2014/main" xmlns="" id="{CB44330D-EA18-4254-AA95-EB49948539B8}"/>
               </a:ext>
               <a:ext uri="{C183D7F6-B498-43B3-948B-1728B52AA6E4}">
-                <adec:decorative xmlns:adec="http://schemas.microsoft.com/office/drawing/2017/decorative" val="1"/>
+                <adec:decorative xmlns:adec="http://schemas.microsoft.com/office/drawing/2017/decorative" xmlns="" val="1"/>
               </a:ext>
             </a:extLst>
           </p:cNvPr>
@@ -3251,7 +4278,7 @@
           <p:nvPr>
             <p:extLst>
               <p:ext uri="{386F3935-93C4-4BCD-93E2-E3B085C9AB24}">
-                <p16:designElem xmlns:p16="http://schemas.microsoft.com/office/powerpoint/2015/main" val="1"/>
+                <p16:designElem xmlns:p16="http://schemas.microsoft.com/office/powerpoint/2015/main" xmlns="" val="1"/>
               </p:ext>
             </p:extLst>
           </p:nvPr>
@@ -3298,13 +4325,7 @@
       </p:sp>
       <p:pic>
         <p:nvPicPr>
-          <p:cNvPr id="2" name="Picture 2" descr="Uma imagem contendo captura de tela&#10;&#10;Descrição gerada com muito alta confiança">
-            <a:extLst>
-              <a:ext uri="{FF2B5EF4-FFF2-40B4-BE49-F238E27FC236}">
-                <a16:creationId xmlns:a16="http://schemas.microsoft.com/office/drawing/2014/main" id="{176FF2DC-6146-4901-B61A-741915582836}"/>
-              </a:ext>
-            </a:extLst>
-          </p:cNvPr>
+          <p:cNvPr id="3" name="Imagem 2"/>
           <p:cNvPicPr>
             <a:picLocks noChangeAspect="1"/>
           </p:cNvPicPr>
@@ -3318,8 +4339,8 @@
         </p:blipFill>
         <p:spPr>
           <a:xfrm>
-            <a:off x="2912534" y="643467"/>
-            <a:ext cx="6366932" cy="5571066"/>
+            <a:off x="3472249" y="1346888"/>
+            <a:ext cx="5250977" cy="4200782"/>
           </a:xfrm>
           <a:prstGeom prst="rect">
             <a:avLst/>
@@ -3339,7 +4360,7 @@
 </p:sld>
 </file>
 
-<file path=ppt/slides/slide3.xml><?xml version="1.0" encoding="utf-8"?>
+<file path=ppt/slides/slide6.xml><?xml version="1.0" encoding="utf-8"?>
 <p:sld xmlns:a="http://schemas.openxmlformats.org/drawingml/2006/main" xmlns:r="http://schemas.openxmlformats.org/officeDocument/2006/relationships" xmlns:p="http://schemas.openxmlformats.org/presentationml/2006/main">
   <p:cSld>
     <p:bg>
@@ -3369,10 +4390,10 @@
           <p:cNvPr id="15" name="Rectangle 14">
             <a:extLst>
               <a:ext uri="{FF2B5EF4-FFF2-40B4-BE49-F238E27FC236}">
-                <a16:creationId xmlns:a16="http://schemas.microsoft.com/office/drawing/2014/main" id="{32BC26D8-82FB-445E-AA49-62A77D7C1EE0}"/>
+                <a16:creationId xmlns:a16="http://schemas.microsoft.com/office/drawing/2014/main" xmlns="" id="{32BC26D8-82FB-445E-AA49-62A77D7C1EE0}"/>
               </a:ext>
               <a:ext uri="{C183D7F6-B498-43B3-948B-1728B52AA6E4}">
-                <adec:decorative xmlns:adec="http://schemas.microsoft.com/office/drawing/2017/decorative" val="1"/>
+                <adec:decorative xmlns:adec="http://schemas.microsoft.com/office/drawing/2017/decorative" xmlns="" val="1"/>
               </a:ext>
             </a:extLst>
           </p:cNvPr>
@@ -3382,7 +4403,7 @@
           <p:nvPr>
             <p:extLst>
               <p:ext uri="{386F3935-93C4-4BCD-93E2-E3B085C9AB24}">
-                <p16:designElem xmlns:p16="http://schemas.microsoft.com/office/powerpoint/2015/main" val="1"/>
+                <p16:designElem xmlns:p16="http://schemas.microsoft.com/office/powerpoint/2015/main" xmlns="" val="1"/>
               </p:ext>
             </p:extLst>
           </p:nvPr>
@@ -3432,10 +4453,10 @@
           <p:cNvPr id="17" name="Rectangle 16">
             <a:extLst>
               <a:ext uri="{FF2B5EF4-FFF2-40B4-BE49-F238E27FC236}">
-                <a16:creationId xmlns:a16="http://schemas.microsoft.com/office/drawing/2014/main" id="{CB44330D-EA18-4254-AA95-EB49948539B8}"/>
+                <a16:creationId xmlns:a16="http://schemas.microsoft.com/office/drawing/2014/main" xmlns="" id="{CB44330D-EA18-4254-AA95-EB49948539B8}"/>
               </a:ext>
               <a:ext uri="{C183D7F6-B498-43B3-948B-1728B52AA6E4}">
-                <adec:decorative xmlns:adec="http://schemas.microsoft.com/office/drawing/2017/decorative" val="1"/>
+                <adec:decorative xmlns:adec="http://schemas.microsoft.com/office/drawing/2017/decorative" xmlns="" val="1"/>
               </a:ext>
             </a:extLst>
           </p:cNvPr>
@@ -3445,7 +4466,7 @@
           <p:nvPr>
             <p:extLst>
               <p:ext uri="{386F3935-93C4-4BCD-93E2-E3B085C9AB24}">
-                <p16:designElem xmlns:p16="http://schemas.microsoft.com/office/powerpoint/2015/main" val="1"/>
+                <p16:designElem xmlns:p16="http://schemas.microsoft.com/office/powerpoint/2015/main" xmlns="" val="1"/>
               </p:ext>
             </p:extLst>
           </p:nvPr>
@@ -3492,13 +4513,7 @@
       </p:sp>
       <p:pic>
         <p:nvPicPr>
-          <p:cNvPr id="2" name="Picture 3" descr="Uma imagem contendo captura de tela&#10;&#10;Descrição gerada com muito alta confiança">
-            <a:extLst>
-              <a:ext uri="{FF2B5EF4-FFF2-40B4-BE49-F238E27FC236}">
-                <a16:creationId xmlns:a16="http://schemas.microsoft.com/office/drawing/2014/main" id="{5727B0DE-485A-4A49-ACF4-5A17A5EAE11A}"/>
-              </a:ext>
-            </a:extLst>
-          </p:cNvPr>
+          <p:cNvPr id="3" name="Imagem 2"/>
           <p:cNvPicPr>
             <a:picLocks noChangeAspect="1"/>
           </p:cNvPicPr>
@@ -3512,8 +4527,8 @@
         </p:blipFill>
         <p:spPr>
           <a:xfrm>
-            <a:off x="2102404" y="643467"/>
-            <a:ext cx="7987191" cy="5571066"/>
+            <a:off x="2576512" y="900112"/>
+            <a:ext cx="7038975" cy="5057775"/>
           </a:xfrm>
           <a:prstGeom prst="rect">
             <a:avLst/>
